--- a/files/ppt_making.pptx
+++ b/files/ppt_making.pptx
@@ -104,6 +104,11 @@
       </a:defRPr>
     </a:lvl9pPr>
   </p:defaultTextStyle>
+  <p:extLst>
+    <p:ext uri="{EFAFB233-063F-42B5-8137-9DF3F51BA10A}">
+      <p15:sldGuideLst xmlns:p15="http://schemas.microsoft.com/office/powerpoint/2012/main"/>
+    </p:ext>
+  </p:extLst>
 </p:presentation>
 </file>
 
@@ -256,7 +261,7 @@
           <a:p>
             <a:fld id="{F6F9E16D-1B9A-E34D-A563-5E3CC39377BA}" type="datetimeFigureOut">
               <a:rPr lang="en-US" smtClean="0"/>
-              <a:t>11/30/23</a:t>
+              <a:t>12/1/23</a:t>
             </a:fld>
             <a:endParaRPr lang="en-US"/>
           </a:p>
@@ -456,7 +461,7 @@
           <a:p>
             <a:fld id="{F6F9E16D-1B9A-E34D-A563-5E3CC39377BA}" type="datetimeFigureOut">
               <a:rPr lang="en-US" smtClean="0"/>
-              <a:t>11/30/23</a:t>
+              <a:t>12/1/23</a:t>
             </a:fld>
             <a:endParaRPr lang="en-US"/>
           </a:p>
@@ -666,7 +671,7 @@
           <a:p>
             <a:fld id="{F6F9E16D-1B9A-E34D-A563-5E3CC39377BA}" type="datetimeFigureOut">
               <a:rPr lang="en-US" smtClean="0"/>
-              <a:t>11/30/23</a:t>
+              <a:t>12/1/23</a:t>
             </a:fld>
             <a:endParaRPr lang="en-US"/>
           </a:p>
@@ -866,7 +871,7 @@
           <a:p>
             <a:fld id="{F6F9E16D-1B9A-E34D-A563-5E3CC39377BA}" type="datetimeFigureOut">
               <a:rPr lang="en-US" smtClean="0"/>
-              <a:t>11/30/23</a:t>
+              <a:t>12/1/23</a:t>
             </a:fld>
             <a:endParaRPr lang="en-US"/>
           </a:p>
@@ -1142,7 +1147,7 @@
           <a:p>
             <a:fld id="{F6F9E16D-1B9A-E34D-A563-5E3CC39377BA}" type="datetimeFigureOut">
               <a:rPr lang="en-US" smtClean="0"/>
-              <a:t>11/30/23</a:t>
+              <a:t>12/1/23</a:t>
             </a:fld>
             <a:endParaRPr lang="en-US"/>
           </a:p>
@@ -1410,7 +1415,7 @@
           <a:p>
             <a:fld id="{F6F9E16D-1B9A-E34D-A563-5E3CC39377BA}" type="datetimeFigureOut">
               <a:rPr lang="en-US" smtClean="0"/>
-              <a:t>11/30/23</a:t>
+              <a:t>12/1/23</a:t>
             </a:fld>
             <a:endParaRPr lang="en-US"/>
           </a:p>
@@ -1825,7 +1830,7 @@
           <a:p>
             <a:fld id="{F6F9E16D-1B9A-E34D-A563-5E3CC39377BA}" type="datetimeFigureOut">
               <a:rPr lang="en-US" smtClean="0"/>
-              <a:t>11/30/23</a:t>
+              <a:t>12/1/23</a:t>
             </a:fld>
             <a:endParaRPr lang="en-US"/>
           </a:p>
@@ -1967,7 +1972,7 @@
           <a:p>
             <a:fld id="{F6F9E16D-1B9A-E34D-A563-5E3CC39377BA}" type="datetimeFigureOut">
               <a:rPr lang="en-US" smtClean="0"/>
-              <a:t>11/30/23</a:t>
+              <a:t>12/1/23</a:t>
             </a:fld>
             <a:endParaRPr lang="en-US"/>
           </a:p>
@@ -2080,7 +2085,7 @@
           <a:p>
             <a:fld id="{F6F9E16D-1B9A-E34D-A563-5E3CC39377BA}" type="datetimeFigureOut">
               <a:rPr lang="en-US" smtClean="0"/>
-              <a:t>11/30/23</a:t>
+              <a:t>12/1/23</a:t>
             </a:fld>
             <a:endParaRPr lang="en-US"/>
           </a:p>
@@ -2393,7 +2398,7 @@
           <a:p>
             <a:fld id="{F6F9E16D-1B9A-E34D-A563-5E3CC39377BA}" type="datetimeFigureOut">
               <a:rPr lang="en-US" smtClean="0"/>
-              <a:t>11/30/23</a:t>
+              <a:t>12/1/23</a:t>
             </a:fld>
             <a:endParaRPr lang="en-US"/>
           </a:p>
@@ -2682,7 +2687,7 @@
           <a:p>
             <a:fld id="{F6F9E16D-1B9A-E34D-A563-5E3CC39377BA}" type="datetimeFigureOut">
               <a:rPr lang="en-US" smtClean="0"/>
-              <a:t>11/30/23</a:t>
+              <a:t>12/1/23</a:t>
             </a:fld>
             <a:endParaRPr lang="en-US"/>
           </a:p>
@@ -2925,7 +2930,7 @@
           <a:p>
             <a:fld id="{F6F9E16D-1B9A-E34D-A563-5E3CC39377BA}" type="datetimeFigureOut">
               <a:rPr lang="en-US" smtClean="0"/>
-              <a:t>11/30/23</a:t>
+              <a:t>12/1/23</a:t>
             </a:fld>
             <a:endParaRPr lang="en-US"/>
           </a:p>
@@ -3713,7 +3718,7 @@
         </p:nvSpPr>
         <p:spPr>
           <a:xfrm>
-            <a:off x="5492672" y="1044042"/>
+            <a:off x="5492672" y="1039400"/>
             <a:ext cx="1022532" cy="430887"/>
           </a:xfrm>
           <a:prstGeom prst="rect">
@@ -3733,7 +3738,7 @@
                 <a:latin typeface="+mj-lt"/>
                 <a:cs typeface="Times New Roman" panose="02020603050405020304" pitchFamily="18" charset="0"/>
               </a:rPr>
-              <a:t>3D content</a:t>
+              <a:t>3D Content</a:t>
             </a:r>
           </a:p>
           <a:p>
@@ -4171,60 +4176,6 @@
           </a:prstGeom>
         </p:spPr>
       </p:pic>
-      <p:sp>
-        <p:nvSpPr>
-          <p:cNvPr id="50" name="Rectangle 49">
-            <a:extLst>
-              <a:ext uri="{FF2B5EF4-FFF2-40B4-BE49-F238E27FC236}">
-                <a16:creationId xmlns:a16="http://schemas.microsoft.com/office/drawing/2014/main" id="{0D34E95E-2129-DF01-755D-3E80DA343F04}"/>
-              </a:ext>
-            </a:extLst>
-          </p:cNvPr>
-          <p:cNvSpPr/>
-          <p:nvPr/>
-        </p:nvSpPr>
-        <p:spPr>
-          <a:xfrm>
-            <a:off x="5534092" y="2867821"/>
-            <a:ext cx="782566" cy="631724"/>
-          </a:xfrm>
-          <a:prstGeom prst="rect">
-            <a:avLst/>
-          </a:prstGeom>
-          <a:noFill/>
-          <a:ln w="12700">
-            <a:solidFill>
-              <a:schemeClr val="accent3">
-                <a:lumMod val="75000"/>
-              </a:schemeClr>
-            </a:solidFill>
-          </a:ln>
-        </p:spPr>
-        <p:style>
-          <a:lnRef idx="2">
-            <a:schemeClr val="accent1">
-              <a:shade val="15000"/>
-            </a:schemeClr>
-          </a:lnRef>
-          <a:fillRef idx="1">
-            <a:schemeClr val="accent1"/>
-          </a:fillRef>
-          <a:effectRef idx="0">
-            <a:schemeClr val="accent1"/>
-          </a:effectRef>
-          <a:fontRef idx="minor">
-            <a:schemeClr val="lt1"/>
-          </a:fontRef>
-        </p:style>
-        <p:txBody>
-          <a:bodyPr rtlCol="0" anchor="ctr"/>
-          <a:lstStyle/>
-          <a:p>
-            <a:pPr algn="ctr"/>
-            <a:endParaRPr lang="en-US"/>
-          </a:p>
-        </p:txBody>
-      </p:sp>
       <p:cxnSp>
         <p:nvCxnSpPr>
           <p:cNvPr id="52" name="Straight Arrow Connector 51">
@@ -4241,8 +4192,8 @@
         </p:nvCxnSpPr>
         <p:spPr>
           <a:xfrm flipH="1">
-            <a:off x="5964133" y="3224924"/>
-            <a:ext cx="404897" cy="80165"/>
+            <a:off x="6046617" y="3224924"/>
+            <a:ext cx="322413" cy="57305"/>
           </a:xfrm>
           <a:prstGeom prst="straightConnector1">
             <a:avLst/>
@@ -4569,10 +4520,10 @@
       </p:sp>
       <p:sp>
         <p:nvSpPr>
-          <p:cNvPr id="60" name="Oval 59">
-            <a:extLst>
-              <a:ext uri="{FF2B5EF4-FFF2-40B4-BE49-F238E27FC236}">
-                <a16:creationId xmlns:a16="http://schemas.microsoft.com/office/drawing/2014/main" id="{B643F2BC-2046-EE64-3867-46126995BE2E}"/>
+          <p:cNvPr id="61" name="Oval 60">
+            <a:extLst>
+              <a:ext uri="{FF2B5EF4-FFF2-40B4-BE49-F238E27FC236}">
+                <a16:creationId xmlns:a16="http://schemas.microsoft.com/office/drawing/2014/main" id="{1A5EC036-055A-9718-90E7-83F3A2E1AD4C}"/>
               </a:ext>
             </a:extLst>
           </p:cNvPr>
@@ -4581,7 +4532,7 @@
         </p:nvSpPr>
         <p:spPr>
           <a:xfrm>
-            <a:off x="5924240" y="3151365"/>
+            <a:off x="5903258" y="3282229"/>
             <a:ext cx="45719" cy="45719"/>
           </a:xfrm>
           <a:prstGeom prst="ellipse">
@@ -4623,10 +4574,10 @@
       </p:sp>
       <p:sp>
         <p:nvSpPr>
-          <p:cNvPr id="61" name="Oval 60">
-            <a:extLst>
-              <a:ext uri="{FF2B5EF4-FFF2-40B4-BE49-F238E27FC236}">
-                <a16:creationId xmlns:a16="http://schemas.microsoft.com/office/drawing/2014/main" id="{1A5EC036-055A-9718-90E7-83F3A2E1AD4C}"/>
+          <p:cNvPr id="62" name="Oval 61">
+            <a:extLst>
+              <a:ext uri="{FF2B5EF4-FFF2-40B4-BE49-F238E27FC236}">
+                <a16:creationId xmlns:a16="http://schemas.microsoft.com/office/drawing/2014/main" id="{7798636A-BC12-DEA9-12CC-61D2C1D8F259}"/>
               </a:ext>
             </a:extLst>
           </p:cNvPr>
@@ -4635,7 +4586,7 @@
         </p:nvSpPr>
         <p:spPr>
           <a:xfrm>
-            <a:off x="5903258" y="3282229"/>
+            <a:off x="5880932" y="3411332"/>
             <a:ext cx="45719" cy="45719"/>
           </a:xfrm>
           <a:prstGeom prst="ellipse">
@@ -4677,10 +4628,124 @@
       </p:sp>
       <p:sp>
         <p:nvSpPr>
-          <p:cNvPr id="62" name="Oval 61">
-            <a:extLst>
-              <a:ext uri="{FF2B5EF4-FFF2-40B4-BE49-F238E27FC236}">
-                <a16:creationId xmlns:a16="http://schemas.microsoft.com/office/drawing/2014/main" id="{7798636A-BC12-DEA9-12CC-61D2C1D8F259}"/>
+          <p:cNvPr id="66" name="TextBox 65">
+            <a:extLst>
+              <a:ext uri="{FF2B5EF4-FFF2-40B4-BE49-F238E27FC236}">
+                <a16:creationId xmlns:a16="http://schemas.microsoft.com/office/drawing/2014/main" id="{9D7A71C2-67FA-7F88-F4D3-CD26DC107F8E}"/>
+              </a:ext>
+            </a:extLst>
+          </p:cNvPr>
+          <p:cNvSpPr txBox="1"/>
+          <p:nvPr/>
+        </p:nvSpPr>
+        <p:spPr>
+          <a:xfrm>
+            <a:off x="6294913" y="2169331"/>
+            <a:ext cx="860286" cy="292388"/>
+          </a:xfrm>
+          <a:prstGeom prst="rect">
+            <a:avLst/>
+          </a:prstGeom>
+          <a:noFill/>
+        </p:spPr>
+        <p:txBody>
+          <a:bodyPr wrap="square">
+            <a:spAutoFit/>
+          </a:bodyPr>
+          <a:lstStyle/>
+          <a:p>
+            <a:pPr algn="ctr"/>
+            <a:r>
+              <a:rPr lang="en-US" sz="1300" i="1" dirty="0">
+                <a:cs typeface="Times New Roman" panose="02020603050405020304" pitchFamily="18" charset="0"/>
+              </a:rPr>
+              <a:t>Topology</a:t>
+            </a:r>
+            <a:endParaRPr lang="en-US" sz="1300" dirty="0"/>
+          </a:p>
+        </p:txBody>
+      </p:sp>
+      <p:sp>
+        <p:nvSpPr>
+          <p:cNvPr id="67" name="TextBox 66">
+            <a:extLst>
+              <a:ext uri="{FF2B5EF4-FFF2-40B4-BE49-F238E27FC236}">
+                <a16:creationId xmlns:a16="http://schemas.microsoft.com/office/drawing/2014/main" id="{289B0FCD-7E7D-2972-0E35-16A8314D3F88}"/>
+              </a:ext>
+            </a:extLst>
+          </p:cNvPr>
+          <p:cNvSpPr txBox="1"/>
+          <p:nvPr/>
+        </p:nvSpPr>
+        <p:spPr>
+          <a:xfrm>
+            <a:off x="6304852" y="3068791"/>
+            <a:ext cx="869918" cy="292388"/>
+          </a:xfrm>
+          <a:prstGeom prst="rect">
+            <a:avLst/>
+          </a:prstGeom>
+          <a:noFill/>
+        </p:spPr>
+        <p:txBody>
+          <a:bodyPr wrap="square">
+            <a:spAutoFit/>
+          </a:bodyPr>
+          <a:lstStyle/>
+          <a:p>
+            <a:pPr algn="ctr"/>
+            <a:r>
+              <a:rPr lang="en-US" sz="1300" i="1" dirty="0"/>
+              <a:t>Geometry</a:t>
+            </a:r>
+          </a:p>
+        </p:txBody>
+      </p:sp>
+      <p:sp>
+        <p:nvSpPr>
+          <p:cNvPr id="70" name="TextBox 69">
+            <a:extLst>
+              <a:ext uri="{FF2B5EF4-FFF2-40B4-BE49-F238E27FC236}">
+                <a16:creationId xmlns:a16="http://schemas.microsoft.com/office/drawing/2014/main" id="{C456E5F5-7A2C-3738-6A2A-9E1BBE4FE4A1}"/>
+              </a:ext>
+            </a:extLst>
+          </p:cNvPr>
+          <p:cNvSpPr txBox="1"/>
+          <p:nvPr/>
+        </p:nvSpPr>
+        <p:spPr>
+          <a:xfrm>
+            <a:off x="4145334" y="1551475"/>
+            <a:ext cx="2235634" cy="292388"/>
+          </a:xfrm>
+          <a:prstGeom prst="rect">
+            <a:avLst/>
+          </a:prstGeom>
+          <a:noFill/>
+        </p:spPr>
+        <p:txBody>
+          <a:bodyPr wrap="square">
+            <a:spAutoFit/>
+          </a:bodyPr>
+          <a:lstStyle/>
+          <a:p>
+            <a:pPr algn="ctr"/>
+            <a:r>
+              <a:rPr lang="en-US" sz="1300" i="1" dirty="0">
+                <a:cs typeface="Times New Roman" panose="02020603050405020304" pitchFamily="18" charset="0"/>
+              </a:rPr>
+              <a:t>Motion</a:t>
+            </a:r>
+            <a:endParaRPr lang="en-US" sz="1300" dirty="0"/>
+          </a:p>
+        </p:txBody>
+      </p:sp>
+      <p:sp>
+        <p:nvSpPr>
+          <p:cNvPr id="11" name="Rectangle 10">
+            <a:extLst>
+              <a:ext uri="{FF2B5EF4-FFF2-40B4-BE49-F238E27FC236}">
+                <a16:creationId xmlns:a16="http://schemas.microsoft.com/office/drawing/2014/main" id="{DB658B65-B18E-A65F-0A6C-7BCFD38B3401}"/>
               </a:ext>
             </a:extLst>
           </p:cNvPr>
@@ -4689,18 +4754,18 @@
         </p:nvSpPr>
         <p:spPr>
           <a:xfrm>
-            <a:off x="5880932" y="3411332"/>
-            <a:ext cx="45719" cy="45719"/>
-          </a:xfrm>
-          <a:prstGeom prst="ellipse">
+            <a:off x="5534092" y="2867821"/>
+            <a:ext cx="782566" cy="631724"/>
+          </a:xfrm>
+          <a:prstGeom prst="rect">
             <a:avLst/>
           </a:prstGeom>
-          <a:solidFill>
-            <a:schemeClr val="bg1"/>
-          </a:solidFill>
-          <a:ln>
+          <a:noFill/>
+          <a:ln w="12700">
             <a:solidFill>
-              <a:schemeClr val="tx1"/>
+              <a:schemeClr val="accent3">
+                <a:lumMod val="75000"/>
+              </a:schemeClr>
             </a:solidFill>
           </a:ln>
         </p:spPr>
@@ -4731,115 +4796,55 @@
       </p:sp>
       <p:sp>
         <p:nvSpPr>
-          <p:cNvPr id="66" name="TextBox 65">
-            <a:extLst>
-              <a:ext uri="{FF2B5EF4-FFF2-40B4-BE49-F238E27FC236}">
-                <a16:creationId xmlns:a16="http://schemas.microsoft.com/office/drawing/2014/main" id="{9D7A71C2-67FA-7F88-F4D3-CD26DC107F8E}"/>
-              </a:ext>
-            </a:extLst>
-          </p:cNvPr>
-          <p:cNvSpPr txBox="1"/>
+          <p:cNvPr id="15" name="Oval 14">
+            <a:extLst>
+              <a:ext uri="{FF2B5EF4-FFF2-40B4-BE49-F238E27FC236}">
+                <a16:creationId xmlns:a16="http://schemas.microsoft.com/office/drawing/2014/main" id="{1895CFDB-BB84-6BAD-647E-2225421D1B25}"/>
+              </a:ext>
+            </a:extLst>
+          </p:cNvPr>
+          <p:cNvSpPr/>
           <p:nvPr/>
         </p:nvSpPr>
         <p:spPr>
           <a:xfrm>
-            <a:off x="6158067" y="2179476"/>
-            <a:ext cx="1139909" cy="292388"/>
-          </a:xfrm>
-          <a:prstGeom prst="rect">
+            <a:off x="5924240" y="3151365"/>
+            <a:ext cx="45719" cy="45719"/>
+          </a:xfrm>
+          <a:prstGeom prst="ellipse">
             <a:avLst/>
           </a:prstGeom>
-          <a:noFill/>
-        </p:spPr>
-        <p:txBody>
-          <a:bodyPr wrap="square">
-            <a:spAutoFit/>
-          </a:bodyPr>
+          <a:solidFill>
+            <a:schemeClr val="bg1"/>
+          </a:solidFill>
+          <a:ln>
+            <a:solidFill>
+              <a:schemeClr val="tx1"/>
+            </a:solidFill>
+          </a:ln>
+        </p:spPr>
+        <p:style>
+          <a:lnRef idx="2">
+            <a:schemeClr val="accent1">
+              <a:shade val="15000"/>
+            </a:schemeClr>
+          </a:lnRef>
+          <a:fillRef idx="1">
+            <a:schemeClr val="accent1"/>
+          </a:fillRef>
+          <a:effectRef idx="0">
+            <a:schemeClr val="accent1"/>
+          </a:effectRef>
+          <a:fontRef idx="minor">
+            <a:schemeClr val="lt1"/>
+          </a:fontRef>
+        </p:style>
+        <p:txBody>
+          <a:bodyPr rtlCol="0" anchor="ctr"/>
           <a:lstStyle/>
           <a:p>
             <a:pPr algn="ctr"/>
-            <a:r>
-              <a:rPr lang="en-US" sz="1300" i="1" dirty="0">
-                <a:cs typeface="Times New Roman" panose="02020603050405020304" pitchFamily="18" charset="0"/>
-              </a:rPr>
-              <a:t>Topology</a:t>
-            </a:r>
-            <a:endParaRPr lang="en-US" sz="1300" dirty="0"/>
-          </a:p>
-        </p:txBody>
-      </p:sp>
-      <p:sp>
-        <p:nvSpPr>
-          <p:cNvPr id="67" name="TextBox 66">
-            <a:extLst>
-              <a:ext uri="{FF2B5EF4-FFF2-40B4-BE49-F238E27FC236}">
-                <a16:creationId xmlns:a16="http://schemas.microsoft.com/office/drawing/2014/main" id="{289B0FCD-7E7D-2972-0E35-16A8314D3F88}"/>
-              </a:ext>
-            </a:extLst>
-          </p:cNvPr>
-          <p:cNvSpPr txBox="1"/>
-          <p:nvPr/>
-        </p:nvSpPr>
-        <p:spPr>
-          <a:xfrm>
-            <a:off x="6158066" y="3078730"/>
-            <a:ext cx="1139909" cy="292388"/>
-          </a:xfrm>
-          <a:prstGeom prst="rect">
-            <a:avLst/>
-          </a:prstGeom>
-          <a:noFill/>
-        </p:spPr>
-        <p:txBody>
-          <a:bodyPr wrap="square">
-            <a:spAutoFit/>
-          </a:bodyPr>
-          <a:lstStyle/>
-          <a:p>
-            <a:pPr algn="ctr"/>
-            <a:r>
-              <a:rPr lang="en-US" sz="1300" i="1" dirty="0"/>
-              <a:t>Geometry</a:t>
-            </a:r>
-          </a:p>
-        </p:txBody>
-      </p:sp>
-      <p:sp>
-        <p:nvSpPr>
-          <p:cNvPr id="70" name="TextBox 69">
-            <a:extLst>
-              <a:ext uri="{FF2B5EF4-FFF2-40B4-BE49-F238E27FC236}">
-                <a16:creationId xmlns:a16="http://schemas.microsoft.com/office/drawing/2014/main" id="{C456E5F5-7A2C-3738-6A2A-9E1BBE4FE4A1}"/>
-              </a:ext>
-            </a:extLst>
-          </p:cNvPr>
-          <p:cNvSpPr txBox="1"/>
-          <p:nvPr/>
-        </p:nvSpPr>
-        <p:spPr>
-          <a:xfrm>
-            <a:off x="4145334" y="1551475"/>
-            <a:ext cx="2235634" cy="292388"/>
-          </a:xfrm>
-          <a:prstGeom prst="rect">
-            <a:avLst/>
-          </a:prstGeom>
-          <a:noFill/>
-        </p:spPr>
-        <p:txBody>
-          <a:bodyPr wrap="square">
-            <a:spAutoFit/>
-          </a:bodyPr>
-          <a:lstStyle/>
-          <a:p>
-            <a:pPr algn="ctr"/>
-            <a:r>
-              <a:rPr lang="en-US" sz="1300" i="1" dirty="0">
-                <a:cs typeface="Times New Roman" panose="02020603050405020304" pitchFamily="18" charset="0"/>
-              </a:rPr>
-              <a:t>Motion</a:t>
-            </a:r>
-            <a:endParaRPr lang="en-US" sz="1300" dirty="0"/>
+            <a:endParaRPr lang="en-US"/>
           </a:p>
         </p:txBody>
       </p:sp>

--- a/files/ppt_making.pptx
+++ b/files/ppt_making.pptx
@@ -261,7 +261,7 @@
           <a:p>
             <a:fld id="{F6F9E16D-1B9A-E34D-A563-5E3CC39377BA}" type="datetimeFigureOut">
               <a:rPr lang="en-US" smtClean="0"/>
-              <a:t>12/1/23</a:t>
+              <a:t>12/5/23</a:t>
             </a:fld>
             <a:endParaRPr lang="en-US"/>
           </a:p>
@@ -461,7 +461,7 @@
           <a:p>
             <a:fld id="{F6F9E16D-1B9A-E34D-A563-5E3CC39377BA}" type="datetimeFigureOut">
               <a:rPr lang="en-US" smtClean="0"/>
-              <a:t>12/1/23</a:t>
+              <a:t>12/5/23</a:t>
             </a:fld>
             <a:endParaRPr lang="en-US"/>
           </a:p>
@@ -671,7 +671,7 @@
           <a:p>
             <a:fld id="{F6F9E16D-1B9A-E34D-A563-5E3CC39377BA}" type="datetimeFigureOut">
               <a:rPr lang="en-US" smtClean="0"/>
-              <a:t>12/1/23</a:t>
+              <a:t>12/5/23</a:t>
             </a:fld>
             <a:endParaRPr lang="en-US"/>
           </a:p>
@@ -871,7 +871,7 @@
           <a:p>
             <a:fld id="{F6F9E16D-1B9A-E34D-A563-5E3CC39377BA}" type="datetimeFigureOut">
               <a:rPr lang="en-US" smtClean="0"/>
-              <a:t>12/1/23</a:t>
+              <a:t>12/5/23</a:t>
             </a:fld>
             <a:endParaRPr lang="en-US"/>
           </a:p>
@@ -1147,7 +1147,7 @@
           <a:p>
             <a:fld id="{F6F9E16D-1B9A-E34D-A563-5E3CC39377BA}" type="datetimeFigureOut">
               <a:rPr lang="en-US" smtClean="0"/>
-              <a:t>12/1/23</a:t>
+              <a:t>12/5/23</a:t>
             </a:fld>
             <a:endParaRPr lang="en-US"/>
           </a:p>
@@ -1415,7 +1415,7 @@
           <a:p>
             <a:fld id="{F6F9E16D-1B9A-E34D-A563-5E3CC39377BA}" type="datetimeFigureOut">
               <a:rPr lang="en-US" smtClean="0"/>
-              <a:t>12/1/23</a:t>
+              <a:t>12/5/23</a:t>
             </a:fld>
             <a:endParaRPr lang="en-US"/>
           </a:p>
@@ -1830,7 +1830,7 @@
           <a:p>
             <a:fld id="{F6F9E16D-1B9A-E34D-A563-5E3CC39377BA}" type="datetimeFigureOut">
               <a:rPr lang="en-US" smtClean="0"/>
-              <a:t>12/1/23</a:t>
+              <a:t>12/5/23</a:t>
             </a:fld>
             <a:endParaRPr lang="en-US"/>
           </a:p>
@@ -1972,7 +1972,7 @@
           <a:p>
             <a:fld id="{F6F9E16D-1B9A-E34D-A563-5E3CC39377BA}" type="datetimeFigureOut">
               <a:rPr lang="en-US" smtClean="0"/>
-              <a:t>12/1/23</a:t>
+              <a:t>12/5/23</a:t>
             </a:fld>
             <a:endParaRPr lang="en-US"/>
           </a:p>
@@ -2085,7 +2085,7 @@
           <a:p>
             <a:fld id="{F6F9E16D-1B9A-E34D-A563-5E3CC39377BA}" type="datetimeFigureOut">
               <a:rPr lang="en-US" smtClean="0"/>
-              <a:t>12/1/23</a:t>
+              <a:t>12/5/23</a:t>
             </a:fld>
             <a:endParaRPr lang="en-US"/>
           </a:p>
@@ -2398,7 +2398,7 @@
           <a:p>
             <a:fld id="{F6F9E16D-1B9A-E34D-A563-5E3CC39377BA}" type="datetimeFigureOut">
               <a:rPr lang="en-US" smtClean="0"/>
-              <a:t>12/1/23</a:t>
+              <a:t>12/5/23</a:t>
             </a:fld>
             <a:endParaRPr lang="en-US"/>
           </a:p>
@@ -2687,7 +2687,7 @@
           <a:p>
             <a:fld id="{F6F9E16D-1B9A-E34D-A563-5E3CC39377BA}" type="datetimeFigureOut">
               <a:rPr lang="en-US" smtClean="0"/>
-              <a:t>12/1/23</a:t>
+              <a:t>12/5/23</a:t>
             </a:fld>
             <a:endParaRPr lang="en-US"/>
           </a:p>
@@ -2930,7 +2930,7 @@
           <a:p>
             <a:fld id="{F6F9E16D-1B9A-E34D-A563-5E3CC39377BA}" type="datetimeFigureOut">
               <a:rPr lang="en-US" smtClean="0"/>
-              <a:t>12/1/23</a:t>
+              <a:t>12/5/23</a:t>
             </a:fld>
             <a:endParaRPr lang="en-US"/>
           </a:p>
@@ -3592,7 +3592,7 @@
           <a:p>
             <a:pPr algn="ctr"/>
             <a:r>
-              <a:rPr lang="en-US" sz="1100" dirty="0">
+              <a:rPr lang="en-US" sz="1060" b="1" dirty="0">
                 <a:solidFill>
                   <a:schemeClr val="tx1"/>
                 </a:solidFill>
@@ -3605,7 +3605,7 @@
           <a:p>
             <a:pPr algn="ctr"/>
             <a:r>
-              <a:rPr lang="en-US" sz="1100" dirty="0">
+              <a:rPr lang="en-US" sz="1060" b="1" dirty="0">
                 <a:solidFill>
                   <a:schemeClr val="tx1"/>
                 </a:solidFill>
@@ -3614,7 +3614,7 @@
               </a:rPr>
               <a:t>Animation</a:t>
             </a:r>
-            <a:endParaRPr lang="en-US" sz="1100" dirty="0">
+            <a:endParaRPr lang="en-US" sz="1060" b="1" dirty="0">
               <a:solidFill>
                 <a:schemeClr val="tx1"/>
               </a:solidFill>
@@ -3673,7 +3673,7 @@
           <a:p>
             <a:pPr algn="ctr"/>
             <a:r>
-              <a:rPr lang="en-US" sz="1100" dirty="0">
+              <a:rPr lang="en-US" sz="1060" b="1" dirty="0">
                 <a:solidFill>
                   <a:schemeClr val="tx1"/>
                 </a:solidFill>
@@ -3686,7 +3686,7 @@
           <a:p>
             <a:pPr algn="ctr"/>
             <a:r>
-              <a:rPr lang="en-US" sz="1100" dirty="0">
+              <a:rPr lang="en-US" sz="1060" b="1" dirty="0">
                 <a:solidFill>
                   <a:schemeClr val="tx1"/>
                 </a:solidFill>
@@ -3695,7 +3695,7 @@
               </a:rPr>
               <a:t>Computing</a:t>
             </a:r>
-            <a:endParaRPr lang="en-US" sz="1100" dirty="0">
+            <a:endParaRPr lang="en-US" sz="1060" b="1" dirty="0">
               <a:solidFill>
                 <a:schemeClr val="tx1"/>
               </a:solidFill>
@@ -3718,7 +3718,7 @@
         </p:nvSpPr>
         <p:spPr>
           <a:xfrm>
-            <a:off x="5492672" y="1039400"/>
+            <a:off x="5482733" y="1039400"/>
             <a:ext cx="1022532" cy="430887"/>
           </a:xfrm>
           <a:prstGeom prst="rect">
@@ -3734,17 +3734,17 @@
           <a:p>
             <a:pPr algn="ctr"/>
             <a:r>
-              <a:rPr lang="en-US" sz="1100" dirty="0">
+              <a:rPr lang="en-US" sz="1060" b="1" dirty="0">
                 <a:latin typeface="+mj-lt"/>
                 <a:cs typeface="Times New Roman" panose="02020603050405020304" pitchFamily="18" charset="0"/>
               </a:rPr>
-              <a:t>3D Content</a:t>
+              <a:t>4D Content</a:t>
             </a:r>
           </a:p>
           <a:p>
             <a:pPr algn="ctr"/>
             <a:r>
-              <a:rPr lang="en-US" sz="1100" dirty="0">
+              <a:rPr lang="en-US" sz="1060" b="1" dirty="0">
                 <a:latin typeface="+mj-lt"/>
                 <a:cs typeface="Times New Roman" panose="02020603050405020304" pitchFamily="18" charset="0"/>
               </a:rPr>
@@ -3768,7 +3768,7 @@
         <p:spPr>
           <a:xfrm>
             <a:off x="6397458" y="936079"/>
-            <a:ext cx="737862" cy="622938"/>
+            <a:ext cx="777312" cy="622938"/>
           </a:xfrm>
           <a:prstGeom prst="roundRect">
             <a:avLst/>
@@ -3803,7 +3803,7 @@
           <a:p>
             <a:pPr algn="ctr"/>
             <a:r>
-              <a:rPr lang="en-US" sz="1100" dirty="0">
+              <a:rPr lang="en-US" sz="1060" b="1" dirty="0">
                 <a:solidFill>
                   <a:schemeClr val="tx1"/>
                 </a:solidFill>
@@ -3816,7 +3816,7 @@
           <a:p>
             <a:pPr algn="ctr"/>
             <a:r>
-              <a:rPr lang="en-US" sz="1100" dirty="0">
+              <a:rPr lang="en-US" sz="1060" b="1" dirty="0">
                 <a:solidFill>
                   <a:schemeClr val="tx1"/>
                 </a:solidFill>
@@ -3843,7 +3843,7 @@
         <p:spPr>
           <a:xfrm>
             <a:off x="3766933" y="1582863"/>
-            <a:ext cx="3368387" cy="1998958"/>
+            <a:ext cx="3407837" cy="1998958"/>
           </a:xfrm>
           <a:prstGeom prst="roundRect">
             <a:avLst>
@@ -4176,48 +4176,6 @@
           </a:prstGeom>
         </p:spPr>
       </p:pic>
-      <p:cxnSp>
-        <p:nvCxnSpPr>
-          <p:cNvPr id="52" name="Straight Arrow Connector 51">
-            <a:extLst>
-              <a:ext uri="{FF2B5EF4-FFF2-40B4-BE49-F238E27FC236}">
-                <a16:creationId xmlns:a16="http://schemas.microsoft.com/office/drawing/2014/main" id="{B48C649D-515B-9398-271A-37EAF5CF284A}"/>
-              </a:ext>
-            </a:extLst>
-          </p:cNvPr>
-          <p:cNvCxnSpPr>
-            <a:cxnSpLocks/>
-          </p:cNvCxnSpPr>
-          <p:nvPr/>
-        </p:nvCxnSpPr>
-        <p:spPr>
-          <a:xfrm flipH="1">
-            <a:off x="6046617" y="3224924"/>
-            <a:ext cx="322413" cy="57305"/>
-          </a:xfrm>
-          <a:prstGeom prst="straightConnector1">
-            <a:avLst/>
-          </a:prstGeom>
-          <a:ln w="12700">
-            <a:headEnd type="none" w="med" len="med"/>
-            <a:tailEnd type="arrow" w="med" len="med"/>
-          </a:ln>
-        </p:spPr>
-        <p:style>
-          <a:lnRef idx="1">
-            <a:schemeClr val="dk1"/>
-          </a:lnRef>
-          <a:fillRef idx="0">
-            <a:schemeClr val="dk1"/>
-          </a:fillRef>
-          <a:effectRef idx="0">
-            <a:schemeClr val="dk1"/>
-          </a:effectRef>
-          <a:fontRef idx="minor">
-            <a:schemeClr val="tx1"/>
-          </a:fontRef>
-        </p:style>
-      </p:cxnSp>
       <p:cxnSp>
         <p:nvCxnSpPr>
           <p:cNvPr id="54" name="Straight Connector 53">
@@ -4640,7 +4598,7 @@
         </p:nvSpPr>
         <p:spPr>
           <a:xfrm>
-            <a:off x="6294913" y="2169331"/>
+            <a:off x="6344608" y="2169331"/>
             <a:ext cx="860286" cy="292388"/>
           </a:xfrm>
           <a:prstGeom prst="rect">
@@ -4679,7 +4637,7 @@
         </p:nvSpPr>
         <p:spPr>
           <a:xfrm>
-            <a:off x="6304852" y="3068791"/>
+            <a:off x="6334669" y="3068791"/>
             <a:ext cx="869918" cy="292388"/>
           </a:xfrm>
           <a:prstGeom prst="rect">
@@ -4848,6 +4806,48 @@
           </a:p>
         </p:txBody>
       </p:sp>
+      <p:cxnSp>
+        <p:nvCxnSpPr>
+          <p:cNvPr id="2" name="Straight Arrow Connector 1">
+            <a:extLst>
+              <a:ext uri="{FF2B5EF4-FFF2-40B4-BE49-F238E27FC236}">
+                <a16:creationId xmlns:a16="http://schemas.microsoft.com/office/drawing/2014/main" id="{215294D4-3FE3-CA32-A4CF-F7048C05F450}"/>
+              </a:ext>
+            </a:extLst>
+          </p:cNvPr>
+          <p:cNvCxnSpPr>
+            <a:cxnSpLocks/>
+          </p:cNvCxnSpPr>
+          <p:nvPr/>
+        </p:nvCxnSpPr>
+        <p:spPr>
+          <a:xfrm flipH="1">
+            <a:off x="6006861" y="3216962"/>
+            <a:ext cx="391005" cy="85145"/>
+          </a:xfrm>
+          <a:prstGeom prst="straightConnector1">
+            <a:avLst/>
+          </a:prstGeom>
+          <a:ln w="12700">
+            <a:headEnd type="none" w="med" len="med"/>
+            <a:tailEnd type="arrow" w="med" len="med"/>
+          </a:ln>
+        </p:spPr>
+        <p:style>
+          <a:lnRef idx="1">
+            <a:schemeClr val="dk1"/>
+          </a:lnRef>
+          <a:fillRef idx="0">
+            <a:schemeClr val="dk1"/>
+          </a:fillRef>
+          <a:effectRef idx="0">
+            <a:schemeClr val="dk1"/>
+          </a:effectRef>
+          <a:fontRef idx="minor">
+            <a:schemeClr val="tx1"/>
+          </a:fontRef>
+        </p:style>
+      </p:cxnSp>
     </p:spTree>
     <p:extLst>
       <p:ext uri="{BB962C8B-B14F-4D97-AF65-F5344CB8AC3E}">
